--- a/Analysis/TimeSeriesAnalysisofLiquidity_DipeshPoudel.pptx
+++ b/Analysis/TimeSeriesAnalysisofLiquidity_DipeshPoudel.pptx
@@ -5,7 +5,7 @@
     <p:sldMasterId id="2147483648" r:id="rId1"/>
   </p:sldMasterIdLst>
   <p:notesMasterIdLst>
-    <p:notesMasterId r:id="rId16"/>
+    <p:notesMasterId r:id="rId17"/>
   </p:notesMasterIdLst>
   <p:sldIdLst>
     <p:sldId id="256" r:id="rId2"/>
@@ -22,6 +22,7 @@
     <p:sldId id="267" r:id="rId13"/>
     <p:sldId id="268" r:id="rId14"/>
     <p:sldId id="269" r:id="rId15"/>
+    <p:sldId id="270" r:id="rId16"/>
   </p:sldIdLst>
   <p:sldSz cx="12192000" cy="6858000"/>
   <p:notesSz cx="6858000" cy="9144000"/>
@@ -120,6 +121,11 @@
       </a:defRPr>
     </a:lvl9pPr>
   </p:defaultTextStyle>
+  <p:extLst>
+    <p:ext uri="{EFAFB233-063F-42B5-8137-9DF3F51BA10A}">
+      <p15:sldGuideLst xmlns:p15="http://schemas.microsoft.com/office/powerpoint/2012/main"/>
+    </p:ext>
+  </p:extLst>
 </p:presentation>
 </file>
 
@@ -4180,7 +4186,17 @@
           <a:bodyPr/>
           <a:lstStyle/>
           <a:p>
-            <a:endParaRPr lang="en-US"/>
+            <a:r>
+              <a:rPr lang="en-US" dirty="0" smtClean="0"/>
+              <a:t>The trend shows the balance at NRB going down.</a:t>
+            </a:r>
+          </a:p>
+          <a:p>
+            <a:r>
+              <a:rPr lang="en-US" dirty="0" smtClean="0"/>
+              <a:t>ARIMA Model was not a good fit</a:t>
+            </a:r>
+            <a:endParaRPr lang="en-US" dirty="0"/>
           </a:p>
         </p:txBody>
       </p:sp>
@@ -4247,6 +4263,148 @@
       </p:par>
     </p:tnLst>
   </p:timing>
+</p:sld>
+</file>
+
+<file path=ppt/slides/slide15.xml><?xml version="1.0" encoding="utf-8"?>
+<p:sld xmlns:a="http://schemas.openxmlformats.org/drawingml/2006/main" xmlns:r="http://schemas.openxmlformats.org/officeDocument/2006/relationships" xmlns:p="http://schemas.openxmlformats.org/presentationml/2006/main">
+  <p:cSld>
+    <p:spTree>
+      <p:nvGrpSpPr>
+        <p:cNvPr id="1" name=""/>
+        <p:cNvGrpSpPr/>
+        <p:nvPr/>
+      </p:nvGrpSpPr>
+      <p:grpSpPr>
+        <a:xfrm>
+          <a:off x="0" y="0"/>
+          <a:ext cx="0" cy="0"/>
+          <a:chOff x="0" y="0"/>
+          <a:chExt cx="0" cy="0"/>
+        </a:xfrm>
+      </p:grpSpPr>
+      <p:sp>
+        <p:nvSpPr>
+          <p:cNvPr id="2" name="Title 1"/>
+          <p:cNvSpPr>
+            <a:spLocks noGrp="1"/>
+          </p:cNvSpPr>
+          <p:nvPr>
+            <p:ph type="title"/>
+          </p:nvPr>
+        </p:nvSpPr>
+        <p:spPr/>
+        <p:txBody>
+          <a:bodyPr/>
+          <a:lstStyle/>
+          <a:p>
+            <a:r>
+              <a:rPr lang="en-US" dirty="0" smtClean="0"/>
+              <a:t>Thank You</a:t>
+            </a:r>
+            <a:endParaRPr lang="en-US" dirty="0"/>
+          </a:p>
+        </p:txBody>
+      </p:sp>
+      <p:sp>
+        <p:nvSpPr>
+          <p:cNvPr id="4" name="Date Placeholder 3"/>
+          <p:cNvSpPr>
+            <a:spLocks noGrp="1"/>
+          </p:cNvSpPr>
+          <p:nvPr>
+            <p:ph type="dt" sz="half" idx="10"/>
+          </p:nvPr>
+        </p:nvSpPr>
+        <p:spPr/>
+        <p:txBody>
+          <a:bodyPr/>
+          <a:lstStyle/>
+          <a:p>
+            <a:fld id="{679A45E2-2395-4221-81EA-75AA573604C9}" type="datetime1">
+              <a:rPr lang="en-US" smtClean="0"/>
+              <a:t>5/12/2023</a:t>
+            </a:fld>
+            <a:endParaRPr lang="en-US"/>
+          </a:p>
+        </p:txBody>
+      </p:sp>
+      <p:sp>
+        <p:nvSpPr>
+          <p:cNvPr id="5" name="Slide Number Placeholder 4"/>
+          <p:cNvSpPr>
+            <a:spLocks noGrp="1"/>
+          </p:cNvSpPr>
+          <p:nvPr>
+            <p:ph type="sldNum" sz="quarter" idx="12"/>
+          </p:nvPr>
+        </p:nvSpPr>
+        <p:spPr/>
+        <p:txBody>
+          <a:bodyPr/>
+          <a:lstStyle/>
+          <a:p>
+            <a:fld id="{B4495426-131A-437D-8D6F-C498D66FC583}" type="slidenum">
+              <a:rPr lang="en-US" smtClean="0"/>
+              <a:t>15</a:t>
+            </a:fld>
+            <a:endParaRPr lang="en-US"/>
+          </a:p>
+        </p:txBody>
+      </p:sp>
+      <p:pic>
+        <p:nvPicPr>
+          <p:cNvPr id="1026" name="Picture 2" descr="Any Questions"/>
+          <p:cNvPicPr>
+            <a:picLocks noGrp="1" noChangeAspect="1" noChangeArrowheads="1"/>
+          </p:cNvPicPr>
+          <p:nvPr>
+            <p:ph idx="1"/>
+          </p:nvPr>
+        </p:nvPicPr>
+        <p:blipFill>
+          <a:blip r:embed="rId2" cstate="print">
+            <a:extLst>
+              <a:ext uri="{28A0092B-C50C-407E-A947-70E740481C1C}">
+                <a14:useLocalDpi xmlns:a14="http://schemas.microsoft.com/office/drawing/2010/main" val="0"/>
+              </a:ext>
+            </a:extLst>
+          </a:blip>
+          <a:srcRect/>
+          <a:stretch>
+            <a:fillRect/>
+          </a:stretch>
+        </p:blipFill>
+        <p:spPr bwMode="auto">
+          <a:xfrm>
+            <a:off x="2832496" y="1825625"/>
+            <a:ext cx="6527007" cy="4351338"/>
+          </a:xfrm>
+          <a:prstGeom prst="rect">
+            <a:avLst/>
+          </a:prstGeom>
+          <a:noFill/>
+          <a:extLst>
+            <a:ext uri="{909E8E84-426E-40DD-AFC4-6F175D3DCCD1}">
+              <a14:hiddenFill xmlns:a14="http://schemas.microsoft.com/office/drawing/2010/main">
+                <a:solidFill>
+                  <a:srgbClr val="FFFFFF"/>
+                </a:solidFill>
+              </a14:hiddenFill>
+            </a:ext>
+          </a:extLst>
+        </p:spPr>
+      </p:pic>
+    </p:spTree>
+    <p:extLst>
+      <p:ext uri="{BB962C8B-B14F-4D97-AF65-F5344CB8AC3E}">
+        <p14:creationId xmlns:p14="http://schemas.microsoft.com/office/powerpoint/2010/main" val="1554983815"/>
+      </p:ext>
+    </p:extLst>
+  </p:cSld>
+  <p:clrMapOvr>
+    <a:masterClrMapping/>
+  </p:clrMapOvr>
 </p:sld>
 </file>
 
@@ -4842,8 +5000,12 @@
           </a:p>
           <a:p>
             <a:r>
+              <a:rPr lang="en-US" b="1" u="sng" dirty="0" smtClean="0"/>
+              <a:t>Cash Reserve Ratio (CRR)</a:t>
+            </a:r>
+            <a:r>
               <a:rPr lang="en-US" dirty="0" smtClean="0"/>
-              <a:t>Cash Reserve Ratio (CRR): Amount of money that commercial banks are </a:t>
+              <a:t>: Amount of money that commercial banks are </a:t>
             </a:r>
             <a:r>
               <a:rPr lang="en-US" b="1" u="sng" dirty="0" smtClean="0">
@@ -4926,9 +5088,182 @@
   <p:timing>
     <p:tnLst>
       <p:par>
-        <p:cTn id="1" dur="indefinite" restart="never" nodeType="tmRoot"/>
+        <p:cTn id="1" dur="indefinite" restart="never" nodeType="tmRoot">
+          <p:childTnLst>
+            <p:seq concurrent="1" nextAc="seek">
+              <p:cTn id="2" dur="indefinite" nodeType="mainSeq">
+                <p:childTnLst>
+                  <p:par>
+                    <p:cTn id="3" fill="hold">
+                      <p:stCondLst>
+                        <p:cond delay="indefinite"/>
+                      </p:stCondLst>
+                      <p:childTnLst>
+                        <p:par>
+                          <p:cTn id="4" fill="hold">
+                            <p:stCondLst>
+                              <p:cond delay="0"/>
+                            </p:stCondLst>
+                            <p:childTnLst>
+                              <p:par>
+                                <p:cTn id="5" presetID="1" presetClass="entr" presetSubtype="0" fill="hold" grpId="0" nodeType="clickEffect">
+                                  <p:stCondLst>
+                                    <p:cond delay="0"/>
+                                  </p:stCondLst>
+                                  <p:childTnLst>
+                                    <p:set>
+                                      <p:cBhvr>
+                                        <p:cTn id="6" dur="1" fill="hold">
+                                          <p:stCondLst>
+                                            <p:cond delay="0"/>
+                                          </p:stCondLst>
+                                        </p:cTn>
+                                        <p:tgtEl>
+                                          <p:spTgt spid="3">
+                                            <p:txEl>
+                                              <p:pRg st="0" end="0"/>
+                                            </p:txEl>
+                                          </p:spTgt>
+                                        </p:tgtEl>
+                                        <p:attrNameLst>
+                                          <p:attrName>style.visibility</p:attrName>
+                                        </p:attrNameLst>
+                                      </p:cBhvr>
+                                      <p:to>
+                                        <p:strVal val="visible"/>
+                                      </p:to>
+                                    </p:set>
+                                  </p:childTnLst>
+                                </p:cTn>
+                              </p:par>
+                            </p:childTnLst>
+                          </p:cTn>
+                        </p:par>
+                      </p:childTnLst>
+                    </p:cTn>
+                  </p:par>
+                  <p:par>
+                    <p:cTn id="7" fill="hold">
+                      <p:stCondLst>
+                        <p:cond delay="indefinite"/>
+                      </p:stCondLst>
+                      <p:childTnLst>
+                        <p:par>
+                          <p:cTn id="8" fill="hold">
+                            <p:stCondLst>
+                              <p:cond delay="0"/>
+                            </p:stCondLst>
+                            <p:childTnLst>
+                              <p:par>
+                                <p:cTn id="9" presetID="1" presetClass="entr" presetSubtype="0" fill="hold" grpId="0" nodeType="clickEffect">
+                                  <p:stCondLst>
+                                    <p:cond delay="0"/>
+                                  </p:stCondLst>
+                                  <p:childTnLst>
+                                    <p:set>
+                                      <p:cBhvr>
+                                        <p:cTn id="10" dur="1" fill="hold">
+                                          <p:stCondLst>
+                                            <p:cond delay="0"/>
+                                          </p:stCondLst>
+                                        </p:cTn>
+                                        <p:tgtEl>
+                                          <p:spTgt spid="3">
+                                            <p:txEl>
+                                              <p:pRg st="1" end="1"/>
+                                            </p:txEl>
+                                          </p:spTgt>
+                                        </p:tgtEl>
+                                        <p:attrNameLst>
+                                          <p:attrName>style.visibility</p:attrName>
+                                        </p:attrNameLst>
+                                      </p:cBhvr>
+                                      <p:to>
+                                        <p:strVal val="visible"/>
+                                      </p:to>
+                                    </p:set>
+                                  </p:childTnLst>
+                                </p:cTn>
+                              </p:par>
+                            </p:childTnLst>
+                          </p:cTn>
+                        </p:par>
+                      </p:childTnLst>
+                    </p:cTn>
+                  </p:par>
+                  <p:par>
+                    <p:cTn id="11" fill="hold">
+                      <p:stCondLst>
+                        <p:cond delay="indefinite"/>
+                      </p:stCondLst>
+                      <p:childTnLst>
+                        <p:par>
+                          <p:cTn id="12" fill="hold">
+                            <p:stCondLst>
+                              <p:cond delay="0"/>
+                            </p:stCondLst>
+                            <p:childTnLst>
+                              <p:par>
+                                <p:cTn id="13" presetID="1" presetClass="entr" presetSubtype="0" fill="hold" grpId="0" nodeType="clickEffect">
+                                  <p:stCondLst>
+                                    <p:cond delay="0"/>
+                                  </p:stCondLst>
+                                  <p:childTnLst>
+                                    <p:set>
+                                      <p:cBhvr>
+                                        <p:cTn id="14" dur="1" fill="hold">
+                                          <p:stCondLst>
+                                            <p:cond delay="0"/>
+                                          </p:stCondLst>
+                                        </p:cTn>
+                                        <p:tgtEl>
+                                          <p:spTgt spid="3">
+                                            <p:txEl>
+                                              <p:pRg st="2" end="2"/>
+                                            </p:txEl>
+                                          </p:spTgt>
+                                        </p:tgtEl>
+                                        <p:attrNameLst>
+                                          <p:attrName>style.visibility</p:attrName>
+                                        </p:attrNameLst>
+                                      </p:cBhvr>
+                                      <p:to>
+                                        <p:strVal val="visible"/>
+                                      </p:to>
+                                    </p:set>
+                                  </p:childTnLst>
+                                </p:cTn>
+                              </p:par>
+                            </p:childTnLst>
+                          </p:cTn>
+                        </p:par>
+                      </p:childTnLst>
+                    </p:cTn>
+                  </p:par>
+                </p:childTnLst>
+              </p:cTn>
+              <p:prevCondLst>
+                <p:cond evt="onPrev" delay="0">
+                  <p:tgtEl>
+                    <p:sldTgt/>
+                  </p:tgtEl>
+                </p:cond>
+              </p:prevCondLst>
+              <p:nextCondLst>
+                <p:cond evt="onNext" delay="0">
+                  <p:tgtEl>
+                    <p:sldTgt/>
+                  </p:tgtEl>
+                </p:cond>
+              </p:nextCondLst>
+            </p:seq>
+          </p:childTnLst>
+        </p:cTn>
       </p:par>
     </p:tnLst>
+    <p:bldLst>
+      <p:bldP spid="3" grpId="0" build="p"/>
+    </p:bldLst>
   </p:timing>
 </p:sld>
 </file>
@@ -5157,7 +5492,6 @@
               <a:rPr lang="en-US" dirty="0" smtClean="0"/>
               <a:t> </a:t>
             </a:r>
-            <a:endParaRPr lang="en-US" dirty="0" smtClean="0"/>
           </a:p>
           <a:p>
             <a:r>
